--- a/corporate-partners-appendix/modules/students/attachments/Symposium_Poster_Template.pptx
+++ b/corporate-partners-appendix/modules/students/attachments/Symposium_Poster_Template.pptx
@@ -295,7 +295,7 @@
               <a:pPr>
                 <a:defRPr/>
               </a:pPr>
-              <a:t>2/14/23</a:t>
+              <a:t>2/27/23</a:t>
             </a:fld>
             <a:endParaRPr lang="en-US"/>
           </a:p>
@@ -1113,7 +1113,7 @@
             <a:fld id="{C4C2F71C-4B08-4389-8F5D-0DF9D63B9394}" type="datetime1">
               <a:rPr lang="en-US"/>
               <a:pPr/>
-              <a:t>2/14/23</a:t>
+              <a:t>2/27/23</a:t>
             </a:fld>
             <a:endParaRPr lang="en-US"/>
           </a:p>
@@ -1304,7 +1304,7 @@
             <a:fld id="{E44472D3-D9C5-45B8-A0FE-DA537DE4FE83}" type="datetime1">
               <a:rPr lang="en-US"/>
               <a:pPr/>
-              <a:t>2/14/23</a:t>
+              <a:t>2/27/23</a:t>
             </a:fld>
             <a:endParaRPr lang="en-US"/>
           </a:p>
@@ -1505,7 +1505,7 @@
             <a:fld id="{77CDF5B8-3EEA-4690-AC98-82BFF2FBE4D2}" type="datetime1">
               <a:rPr lang="en-US"/>
               <a:pPr/>
-              <a:t>2/14/23</a:t>
+              <a:t>2/27/23</a:t>
             </a:fld>
             <a:endParaRPr lang="en-US"/>
           </a:p>
@@ -1696,7 +1696,7 @@
             <a:fld id="{C1054DBE-D131-4EDB-8641-C3A8C99CF218}" type="datetime1">
               <a:rPr lang="en-US"/>
               <a:pPr/>
-              <a:t>2/14/23</a:t>
+              <a:t>2/27/23</a:t>
             </a:fld>
             <a:endParaRPr lang="en-US"/>
           </a:p>
@@ -1964,7 +1964,7 @@
             <a:fld id="{4092172C-BE27-4611-BEC7-D7DEF73798A6}" type="datetime1">
               <a:rPr lang="en-US"/>
               <a:pPr/>
-              <a:t>2/14/23</a:t>
+              <a:t>2/27/23</a:t>
             </a:fld>
             <a:endParaRPr lang="en-US"/>
           </a:p>
@@ -2272,7 +2272,7 @@
             <a:fld id="{5F98B46A-B183-48B1-8EE5-545E75CCCBEF}" type="datetime1">
               <a:rPr lang="en-US"/>
               <a:pPr/>
-              <a:t>2/14/23</a:t>
+              <a:t>2/27/23</a:t>
             </a:fld>
             <a:endParaRPr lang="en-US"/>
           </a:p>
@@ -2719,7 +2719,7 @@
             <a:fld id="{D5556932-39C0-4F2A-896B-651B4F00ECFB}" type="datetime1">
               <a:rPr lang="en-US"/>
               <a:pPr/>
-              <a:t>2/14/23</a:t>
+              <a:t>2/27/23</a:t>
             </a:fld>
             <a:endParaRPr lang="en-US"/>
           </a:p>
@@ -2859,7 +2859,7 @@
             <a:fld id="{A73915A9-D9C0-44FA-9681-731576DB131B}" type="datetime1">
               <a:rPr lang="en-US"/>
               <a:pPr/>
-              <a:t>2/14/23</a:t>
+              <a:t>2/27/23</a:t>
             </a:fld>
             <a:endParaRPr lang="en-US"/>
           </a:p>
@@ -2977,7 +2977,7 @@
             <a:fld id="{4D682095-FDC6-47A4-B17F-B44B6473C2D0}" type="datetime1">
               <a:rPr lang="en-US"/>
               <a:pPr/>
-              <a:t>2/14/23</a:t>
+              <a:t>2/27/23</a:t>
             </a:fld>
             <a:endParaRPr lang="en-US"/>
           </a:p>
@@ -3275,7 +3275,7 @@
             <a:fld id="{1CA98B65-857C-4AD8-ACAB-4365D82174A1}" type="datetime1">
               <a:rPr lang="en-US"/>
               <a:pPr/>
-              <a:t>2/14/23</a:t>
+              <a:t>2/27/23</a:t>
             </a:fld>
             <a:endParaRPr lang="en-US"/>
           </a:p>
@@ -3553,7 +3553,7 @@
             <a:fld id="{CE554E65-4191-47D0-B6EC-09CA8AC19719}" type="datetime1">
               <a:rPr lang="en-US"/>
               <a:pPr/>
-              <a:t>2/14/23</a:t>
+              <a:t>2/27/23</a:t>
             </a:fld>
             <a:endParaRPr lang="en-US"/>
           </a:p>
@@ -3808,7 +3808,7 @@
                 <a:cs typeface="Arial" pitchFamily="34" charset="0"/>
               </a:rPr>
               <a:pPr defTabSz="2925330" eaLnBrk="1" hangingPunct="1"/>
-              <a:t>2/14/23</a:t>
+              <a:t>2/27/23</a:t>
             </a:fld>
             <a:endParaRPr lang="en-US">
               <a:cs typeface="Arial" pitchFamily="34" charset="0"/>
@@ -5729,7 +5729,7 @@
                 <a:latin typeface="Franklin Gothic Medium" panose="020B0603020102020204" pitchFamily="34" charset="0"/>
                 <a:cs typeface="Myriad Arabic" panose="01010101010101010101" pitchFamily="50" charset="-78"/>
               </a:rPr>
-              <a:t>Purdue branding is located here if you plan to use this Purdue template or incorporate Purdue colors.  </a:t>
+              <a:t>Purdue branding is located here if you plan to use this Purdue template or incorporate Purdue colors. </a:t>
             </a:r>
             <a:r>
               <a:rPr lang="en-US" sz="2000" dirty="0">
@@ -5737,7 +5737,14 @@
                 <a:cs typeface="Myriad Arabic" panose="01010101010101010101" pitchFamily="50" charset="-78"/>
                 <a:hlinkClick r:id="rId9"/>
               </a:rPr>
-              <a:t>https://marcom.purdue.edu/our-brand/visual-language-guideline/</a:t>
+              <a:t>https://marcom.purdue.edu/our-brand/</a:t>
+            </a:r>
+            <a:r>
+              <a:rPr lang="en-US" sz="2000" dirty="0">
+                <a:latin typeface="Franklin Gothic Medium" panose="020B0603020102020204" pitchFamily="34" charset="0"/>
+                <a:cs typeface="Myriad Arabic" panose="01010101010101010101" pitchFamily="50" charset="-78"/>
+              </a:rPr>
+              <a:t> </a:t>
             </a:r>
             <a:endParaRPr lang="en-US" sz="2000" u="sng" dirty="0">
               <a:latin typeface="Franklin Gothic Medium" panose="020B0603020102020204" pitchFamily="34" charset="0"/>
